--- a/détection de chocs.pptx
+++ b/détection de chocs.pptx
@@ -6,6 +6,7 @@
   </p:sldMasterIdLst>
   <p:sldIdLst>
     <p:sldId id="257" r:id="rId2"/>
+    <p:sldId id="258" r:id="rId3"/>
   </p:sldIdLst>
   <p:sldSz cx="9144000" cy="6858000" type="screen4x3"/>
   <p:notesSz cx="6858000" cy="9144000"/>
@@ -3405,19 +3406,7 @@
             <a:p>
               <a:r>
                 <a:rPr lang="fr-FR" dirty="0" smtClean="0"/>
-                <a:t>Statut </a:t>
-              </a:r>
-              <a:r>
-                <a:rPr lang="fr-FR" dirty="0" smtClean="0"/>
-                <a:t>:         Actif </a:t>
-              </a:r>
-              <a:r>
-                <a:rPr lang="fr-FR" dirty="0" smtClean="0"/>
-                <a:t>/       </a:t>
-              </a:r>
-              <a:r>
-                <a:rPr lang="fr-FR" dirty="0" smtClean="0"/>
-                <a:t> Inactif</a:t>
+                <a:t>Statut :         Actif /        Inactif</a:t>
               </a:r>
               <a:endParaRPr lang="fr-FR" dirty="0"/>
             </a:p>
@@ -3837,6 +3826,75 @@
 </p:sld>
 </file>
 
+<file path=ppt/slides/slide2.xml><?xml version="1.0" encoding="utf-8"?>
+<p:sld xmlns:a="http://schemas.openxmlformats.org/drawingml/2006/main" xmlns:r="http://schemas.openxmlformats.org/officeDocument/2006/relationships" xmlns:p="http://schemas.openxmlformats.org/presentationml/2006/main">
+  <p:cSld>
+    <p:spTree>
+      <p:nvGrpSpPr>
+        <p:cNvPr id="1" name=""/>
+        <p:cNvGrpSpPr/>
+        <p:nvPr/>
+      </p:nvGrpSpPr>
+      <p:grpSpPr>
+        <a:xfrm>
+          <a:off x="0" y="0"/>
+          <a:ext cx="0" cy="0"/>
+          <a:chOff x="0" y="0"/>
+          <a:chExt cx="0" cy="0"/>
+        </a:xfrm>
+      </p:grpSpPr>
+      <p:sp>
+        <p:nvSpPr>
+          <p:cNvPr id="3" name="Espace réservé du contenu 2"/>
+          <p:cNvSpPr>
+            <a:spLocks noGrp="1"/>
+          </p:cNvSpPr>
+          <p:nvPr>
+            <p:ph idx="1"/>
+          </p:nvPr>
+        </p:nvSpPr>
+        <p:spPr/>
+        <p:txBody>
+          <a:bodyPr>
+            <a:normAutofit/>
+          </a:bodyPr>
+          <a:lstStyle/>
+          <a:p>
+            <a:r>
+              <a:rPr lang="fr-FR" sz="2400" dirty="0"/>
+              <a:t>Ce système assure une surveillance en temps réel des impacts sur les portes et fenêtres grâce à une interface intuitive. L'utilisateur peut suivre l'état des capteurs et être immédiatement informé en cas de choc détecté.</a:t>
+            </a:r>
+          </a:p>
+          <a:p>
+            <a:r>
+              <a:rPr lang="fr-FR" sz="2400" dirty="0"/>
+              <a:t>Lorsque le système est activé, il analyse en continu les vibrations et affiche une alerte visuelle indiquant l'emplacement du choc. Une notification peut également être envoyée par e-mail en cas d'impact significatif.</a:t>
+            </a:r>
+          </a:p>
+          <a:p>
+            <a:r>
+              <a:rPr lang="fr-FR" sz="2400" dirty="0"/>
+              <a:t>Un historique des événements est accessible, permettant à l'utilisateur de consulter les précédents chocs détectés </a:t>
+            </a:r>
+          </a:p>
+          <a:p>
+            <a:endParaRPr lang="fr-FR" sz="2400" dirty="0"/>
+          </a:p>
+        </p:txBody>
+      </p:sp>
+    </p:spTree>
+    <p:extLst>
+      <p:ext uri="{BB962C8B-B14F-4D97-AF65-F5344CB8AC3E}">
+        <p14:creationId xmlns:p14="http://schemas.microsoft.com/office/powerpoint/2010/main" val="1082585452"/>
+      </p:ext>
+    </p:extLst>
+  </p:cSld>
+  <p:clrMapOvr>
+    <a:masterClrMapping/>
+  </p:clrMapOvr>
+</p:sld>
+</file>
+
 <file path=ppt/theme/theme1.xml><?xml version="1.0" encoding="utf-8"?>
 <a:theme xmlns:a="http://schemas.openxmlformats.org/drawingml/2006/main" name="Thème Office">
   <a:themeElements>
